--- a/img/workflow.pptx
+++ b/img/workflow.pptx
@@ -104,6 +104,22 @@
       </a:defRPr>
     </a:lvl9pPr>
   </p:defaultTextStyle>
+  <p:extLst>
+    <p:ext uri="{EFAFB233-063F-42B5-8137-9DF3F51BA10A}">
+      <p15:sldGuideLst xmlns:p15="http://schemas.microsoft.com/office/powerpoint/2012/main">
+        <p15:guide id="1" orient="horz" pos="2160">
+          <p15:clr>
+            <a:srgbClr val="A4A3A4"/>
+          </p15:clr>
+        </p15:guide>
+        <p15:guide id="2" pos="2880">
+          <p15:clr>
+            <a:srgbClr val="A4A3A4"/>
+          </p15:clr>
+        </p15:guide>
+      </p15:sldGuideLst>
+    </p:ext>
+  </p:extLst>
 </p:presentation>
 </file>
 
@@ -145,10 +161,9 @@
           <a:lstStyle/>
           <a:p>
             <a:r>
-              <a:rPr lang="en-US" smtClean="0"/>
+              <a:rPr lang="en-US"/>
               <a:t>Click to edit Master title style</a:t>
             </a:r>
-            <a:endParaRPr lang="en-US"/>
           </a:p>
         </p:txBody>
       </p:sp>
@@ -264,10 +279,9 @@
           </a:lstStyle>
           <a:p>
             <a:r>
-              <a:rPr lang="en-US" smtClean="0"/>
+              <a:rPr lang="en-US"/>
               <a:t>Click to edit Master subtitle style</a:t>
             </a:r>
-            <a:endParaRPr lang="en-US"/>
           </a:p>
         </p:txBody>
       </p:sp>
@@ -288,7 +302,7 @@
           <a:p>
             <a:fld id="{0E33F080-D45B-F644-9D91-C835372B101C}" type="datetimeFigureOut">
               <a:rPr lang="en-US" smtClean="0"/>
-              <a:t>8/11/18</a:t>
+              <a:t>3/23/20</a:t>
             </a:fld>
             <a:endParaRPr lang="en-US"/>
           </a:p>
@@ -382,10 +396,9 @@
           <a:lstStyle/>
           <a:p>
             <a:r>
-              <a:rPr lang="en-US" smtClean="0"/>
+              <a:rPr lang="en-US"/>
               <a:t>Click to edit Master title style</a:t>
             </a:r>
-            <a:endParaRPr lang="en-US"/>
           </a:p>
         </p:txBody>
       </p:sp>
@@ -406,38 +419,37 @@
           <a:p>
             <a:pPr lvl="0"/>
             <a:r>
-              <a:rPr lang="en-US" smtClean="0"/>
+              <a:rPr lang="en-US"/>
               <a:t>Click to edit Master text styles</a:t>
             </a:r>
           </a:p>
           <a:p>
             <a:pPr lvl="1"/>
             <a:r>
-              <a:rPr lang="en-US" smtClean="0"/>
+              <a:rPr lang="en-US"/>
               <a:t>Second level</a:t>
             </a:r>
           </a:p>
           <a:p>
             <a:pPr lvl="2"/>
             <a:r>
-              <a:rPr lang="en-US" smtClean="0"/>
+              <a:rPr lang="en-US"/>
               <a:t>Third level</a:t>
             </a:r>
           </a:p>
           <a:p>
             <a:pPr lvl="3"/>
             <a:r>
-              <a:rPr lang="en-US" smtClean="0"/>
+              <a:rPr lang="en-US"/>
               <a:t>Fourth level</a:t>
             </a:r>
           </a:p>
           <a:p>
             <a:pPr lvl="4"/>
             <a:r>
-              <a:rPr lang="en-US" smtClean="0"/>
+              <a:rPr lang="en-US"/>
               <a:t>Fifth level</a:t>
             </a:r>
-            <a:endParaRPr lang="en-US"/>
           </a:p>
         </p:txBody>
       </p:sp>
@@ -458,7 +470,7 @@
           <a:p>
             <a:fld id="{0E33F080-D45B-F644-9D91-C835372B101C}" type="datetimeFigureOut">
               <a:rPr lang="en-US" smtClean="0"/>
-              <a:t>8/11/18</a:t>
+              <a:t>3/23/20</a:t>
             </a:fld>
             <a:endParaRPr lang="en-US"/>
           </a:p>
@@ -557,10 +569,9 @@
           <a:lstStyle/>
           <a:p>
             <a:r>
-              <a:rPr lang="en-US" smtClean="0"/>
+              <a:rPr lang="en-US"/>
               <a:t>Click to edit Master title style</a:t>
             </a:r>
-            <a:endParaRPr lang="en-US"/>
           </a:p>
         </p:txBody>
       </p:sp>
@@ -586,38 +597,37 @@
           <a:p>
             <a:pPr lvl="0"/>
             <a:r>
-              <a:rPr lang="en-US" smtClean="0"/>
+              <a:rPr lang="en-US"/>
               <a:t>Click to edit Master text styles</a:t>
             </a:r>
           </a:p>
           <a:p>
             <a:pPr lvl="1"/>
             <a:r>
-              <a:rPr lang="en-US" smtClean="0"/>
+              <a:rPr lang="en-US"/>
               <a:t>Second level</a:t>
             </a:r>
           </a:p>
           <a:p>
             <a:pPr lvl="2"/>
             <a:r>
-              <a:rPr lang="en-US" smtClean="0"/>
+              <a:rPr lang="en-US"/>
               <a:t>Third level</a:t>
             </a:r>
           </a:p>
           <a:p>
             <a:pPr lvl="3"/>
             <a:r>
-              <a:rPr lang="en-US" smtClean="0"/>
+              <a:rPr lang="en-US"/>
               <a:t>Fourth level</a:t>
             </a:r>
           </a:p>
           <a:p>
             <a:pPr lvl="4"/>
             <a:r>
-              <a:rPr lang="en-US" smtClean="0"/>
+              <a:rPr lang="en-US"/>
               <a:t>Fifth level</a:t>
             </a:r>
-            <a:endParaRPr lang="en-US"/>
           </a:p>
         </p:txBody>
       </p:sp>
@@ -638,7 +648,7 @@
           <a:p>
             <a:fld id="{0E33F080-D45B-F644-9D91-C835372B101C}" type="datetimeFigureOut">
               <a:rPr lang="en-US" smtClean="0"/>
-              <a:t>8/11/18</a:t>
+              <a:t>3/23/20</a:t>
             </a:fld>
             <a:endParaRPr lang="en-US"/>
           </a:p>
@@ -732,10 +742,9 @@
           <a:lstStyle/>
           <a:p>
             <a:r>
-              <a:rPr lang="en-US" smtClean="0"/>
+              <a:rPr lang="en-US"/>
               <a:t>Click to edit Master title style</a:t>
             </a:r>
-            <a:endParaRPr lang="en-US"/>
           </a:p>
         </p:txBody>
       </p:sp>
@@ -756,38 +765,37 @@
           <a:p>
             <a:pPr lvl="0"/>
             <a:r>
-              <a:rPr lang="en-US" smtClean="0"/>
+              <a:rPr lang="en-US"/>
               <a:t>Click to edit Master text styles</a:t>
             </a:r>
           </a:p>
           <a:p>
             <a:pPr lvl="1"/>
             <a:r>
-              <a:rPr lang="en-US" smtClean="0"/>
+              <a:rPr lang="en-US"/>
               <a:t>Second level</a:t>
             </a:r>
           </a:p>
           <a:p>
             <a:pPr lvl="2"/>
             <a:r>
-              <a:rPr lang="en-US" smtClean="0"/>
+              <a:rPr lang="en-US"/>
               <a:t>Third level</a:t>
             </a:r>
           </a:p>
           <a:p>
             <a:pPr lvl="3"/>
             <a:r>
-              <a:rPr lang="en-US" smtClean="0"/>
+              <a:rPr lang="en-US"/>
               <a:t>Fourth level</a:t>
             </a:r>
           </a:p>
           <a:p>
             <a:pPr lvl="4"/>
             <a:r>
-              <a:rPr lang="en-US" smtClean="0"/>
+              <a:rPr lang="en-US"/>
               <a:t>Fifth level</a:t>
             </a:r>
-            <a:endParaRPr lang="en-US"/>
           </a:p>
         </p:txBody>
       </p:sp>
@@ -808,7 +816,7 @@
           <a:p>
             <a:fld id="{0E33F080-D45B-F644-9D91-C835372B101C}" type="datetimeFigureOut">
               <a:rPr lang="en-US" smtClean="0"/>
-              <a:t>8/11/18</a:t>
+              <a:t>3/23/20</a:t>
             </a:fld>
             <a:endParaRPr lang="en-US"/>
           </a:p>
@@ -911,10 +919,9 @@
           </a:lstStyle>
           <a:p>
             <a:r>
-              <a:rPr lang="en-US" smtClean="0"/>
+              <a:rPr lang="en-US"/>
               <a:t>Click to edit Master title style</a:t>
             </a:r>
-            <a:endParaRPr lang="en-US"/>
           </a:p>
         </p:txBody>
       </p:sp>
@@ -1031,7 +1038,7 @@
           <a:p>
             <a:pPr lvl="0"/>
             <a:r>
-              <a:rPr lang="en-US" smtClean="0"/>
+              <a:rPr lang="en-US"/>
               <a:t>Click to edit Master text styles</a:t>
             </a:r>
           </a:p>
@@ -1054,7 +1061,7 @@
           <a:p>
             <a:fld id="{0E33F080-D45B-F644-9D91-C835372B101C}" type="datetimeFigureOut">
               <a:rPr lang="en-US" smtClean="0"/>
-              <a:t>8/11/18</a:t>
+              <a:t>3/23/20</a:t>
             </a:fld>
             <a:endParaRPr lang="en-US"/>
           </a:p>
@@ -1148,10 +1155,9 @@
           <a:lstStyle/>
           <a:p>
             <a:r>
-              <a:rPr lang="en-US" smtClean="0"/>
+              <a:rPr lang="en-US"/>
               <a:t>Click to edit Master title style</a:t>
             </a:r>
-            <a:endParaRPr lang="en-US"/>
           </a:p>
         </p:txBody>
       </p:sp>
@@ -1205,38 +1211,37 @@
           <a:p>
             <a:pPr lvl="0"/>
             <a:r>
-              <a:rPr lang="en-US" smtClean="0"/>
+              <a:rPr lang="en-US"/>
               <a:t>Click to edit Master text styles</a:t>
             </a:r>
           </a:p>
           <a:p>
             <a:pPr lvl="1"/>
             <a:r>
-              <a:rPr lang="en-US" smtClean="0"/>
+              <a:rPr lang="en-US"/>
               <a:t>Second level</a:t>
             </a:r>
           </a:p>
           <a:p>
             <a:pPr lvl="2"/>
             <a:r>
-              <a:rPr lang="en-US" smtClean="0"/>
+              <a:rPr lang="en-US"/>
               <a:t>Third level</a:t>
             </a:r>
           </a:p>
           <a:p>
             <a:pPr lvl="3"/>
             <a:r>
-              <a:rPr lang="en-US" smtClean="0"/>
+              <a:rPr lang="en-US"/>
               <a:t>Fourth level</a:t>
             </a:r>
           </a:p>
           <a:p>
             <a:pPr lvl="4"/>
             <a:r>
-              <a:rPr lang="en-US" smtClean="0"/>
+              <a:rPr lang="en-US"/>
               <a:t>Fifth level</a:t>
             </a:r>
-            <a:endParaRPr lang="en-US"/>
           </a:p>
         </p:txBody>
       </p:sp>
@@ -1290,38 +1295,37 @@
           <a:p>
             <a:pPr lvl="0"/>
             <a:r>
-              <a:rPr lang="en-US" smtClean="0"/>
+              <a:rPr lang="en-US"/>
               <a:t>Click to edit Master text styles</a:t>
             </a:r>
           </a:p>
           <a:p>
             <a:pPr lvl="1"/>
             <a:r>
-              <a:rPr lang="en-US" smtClean="0"/>
+              <a:rPr lang="en-US"/>
               <a:t>Second level</a:t>
             </a:r>
           </a:p>
           <a:p>
             <a:pPr lvl="2"/>
             <a:r>
-              <a:rPr lang="en-US" smtClean="0"/>
+              <a:rPr lang="en-US"/>
               <a:t>Third level</a:t>
             </a:r>
           </a:p>
           <a:p>
             <a:pPr lvl="3"/>
             <a:r>
-              <a:rPr lang="en-US" smtClean="0"/>
+              <a:rPr lang="en-US"/>
               <a:t>Fourth level</a:t>
             </a:r>
           </a:p>
           <a:p>
             <a:pPr lvl="4"/>
             <a:r>
-              <a:rPr lang="en-US" smtClean="0"/>
+              <a:rPr lang="en-US"/>
               <a:t>Fifth level</a:t>
             </a:r>
-            <a:endParaRPr lang="en-US"/>
           </a:p>
         </p:txBody>
       </p:sp>
@@ -1342,7 +1346,7 @@
           <a:p>
             <a:fld id="{0E33F080-D45B-F644-9D91-C835372B101C}" type="datetimeFigureOut">
               <a:rPr lang="en-US" smtClean="0"/>
-              <a:t>8/11/18</a:t>
+              <a:t>3/23/20</a:t>
             </a:fld>
             <a:endParaRPr lang="en-US"/>
           </a:p>
@@ -1440,10 +1444,9 @@
           </a:lstStyle>
           <a:p>
             <a:r>
-              <a:rPr lang="en-US" smtClean="0"/>
+              <a:rPr lang="en-US"/>
               <a:t>Click to edit Master title style</a:t>
             </a:r>
-            <a:endParaRPr lang="en-US"/>
           </a:p>
         </p:txBody>
       </p:sp>
@@ -1506,7 +1509,7 @@
           <a:p>
             <a:pPr lvl="0"/>
             <a:r>
-              <a:rPr lang="en-US" smtClean="0"/>
+              <a:rPr lang="en-US"/>
               <a:t>Click to edit Master text styles</a:t>
             </a:r>
           </a:p>
@@ -1562,38 +1565,37 @@
           <a:p>
             <a:pPr lvl="0"/>
             <a:r>
-              <a:rPr lang="en-US" smtClean="0"/>
+              <a:rPr lang="en-US"/>
               <a:t>Click to edit Master text styles</a:t>
             </a:r>
           </a:p>
           <a:p>
             <a:pPr lvl="1"/>
             <a:r>
-              <a:rPr lang="en-US" smtClean="0"/>
+              <a:rPr lang="en-US"/>
               <a:t>Second level</a:t>
             </a:r>
           </a:p>
           <a:p>
             <a:pPr lvl="2"/>
             <a:r>
-              <a:rPr lang="en-US" smtClean="0"/>
+              <a:rPr lang="en-US"/>
               <a:t>Third level</a:t>
             </a:r>
           </a:p>
           <a:p>
             <a:pPr lvl="3"/>
             <a:r>
-              <a:rPr lang="en-US" smtClean="0"/>
+              <a:rPr lang="en-US"/>
               <a:t>Fourth level</a:t>
             </a:r>
           </a:p>
           <a:p>
             <a:pPr lvl="4"/>
             <a:r>
-              <a:rPr lang="en-US" smtClean="0"/>
+              <a:rPr lang="en-US"/>
               <a:t>Fifth level</a:t>
             </a:r>
-            <a:endParaRPr lang="en-US"/>
           </a:p>
         </p:txBody>
       </p:sp>
@@ -1656,7 +1658,7 @@
           <a:p>
             <a:pPr lvl="0"/>
             <a:r>
-              <a:rPr lang="en-US" smtClean="0"/>
+              <a:rPr lang="en-US"/>
               <a:t>Click to edit Master text styles</a:t>
             </a:r>
           </a:p>
@@ -1712,38 +1714,37 @@
           <a:p>
             <a:pPr lvl="0"/>
             <a:r>
-              <a:rPr lang="en-US" smtClean="0"/>
+              <a:rPr lang="en-US"/>
               <a:t>Click to edit Master text styles</a:t>
             </a:r>
           </a:p>
           <a:p>
             <a:pPr lvl="1"/>
             <a:r>
-              <a:rPr lang="en-US" smtClean="0"/>
+              <a:rPr lang="en-US"/>
               <a:t>Second level</a:t>
             </a:r>
           </a:p>
           <a:p>
             <a:pPr lvl="2"/>
             <a:r>
-              <a:rPr lang="en-US" smtClean="0"/>
+              <a:rPr lang="en-US"/>
               <a:t>Third level</a:t>
             </a:r>
           </a:p>
           <a:p>
             <a:pPr lvl="3"/>
             <a:r>
-              <a:rPr lang="en-US" smtClean="0"/>
+              <a:rPr lang="en-US"/>
               <a:t>Fourth level</a:t>
             </a:r>
           </a:p>
           <a:p>
             <a:pPr lvl="4"/>
             <a:r>
-              <a:rPr lang="en-US" smtClean="0"/>
+              <a:rPr lang="en-US"/>
               <a:t>Fifth level</a:t>
             </a:r>
-            <a:endParaRPr lang="en-US"/>
           </a:p>
         </p:txBody>
       </p:sp>
@@ -1764,7 +1765,7 @@
           <a:p>
             <a:fld id="{0E33F080-D45B-F644-9D91-C835372B101C}" type="datetimeFigureOut">
               <a:rPr lang="en-US" smtClean="0"/>
-              <a:t>8/11/18</a:t>
+              <a:t>3/23/20</a:t>
             </a:fld>
             <a:endParaRPr lang="en-US"/>
           </a:p>
@@ -1858,10 +1859,9 @@
           <a:lstStyle/>
           <a:p>
             <a:r>
-              <a:rPr lang="en-US" smtClean="0"/>
+              <a:rPr lang="en-US"/>
               <a:t>Click to edit Master title style</a:t>
             </a:r>
-            <a:endParaRPr lang="en-US"/>
           </a:p>
         </p:txBody>
       </p:sp>
@@ -1882,7 +1882,7 @@
           <a:p>
             <a:fld id="{0E33F080-D45B-F644-9D91-C835372B101C}" type="datetimeFigureOut">
               <a:rPr lang="en-US" smtClean="0"/>
-              <a:t>8/11/18</a:t>
+              <a:t>3/23/20</a:t>
             </a:fld>
             <a:endParaRPr lang="en-US"/>
           </a:p>
@@ -1977,7 +1977,7 @@
           <a:p>
             <a:fld id="{0E33F080-D45B-F644-9D91-C835372B101C}" type="datetimeFigureOut">
               <a:rPr lang="en-US" smtClean="0"/>
-              <a:t>8/11/18</a:t>
+              <a:t>3/23/20</a:t>
             </a:fld>
             <a:endParaRPr lang="en-US"/>
           </a:p>
@@ -2080,10 +2080,9 @@
           </a:lstStyle>
           <a:p>
             <a:r>
-              <a:rPr lang="en-US" smtClean="0"/>
+              <a:rPr lang="en-US"/>
               <a:t>Click to edit Master title style</a:t>
             </a:r>
-            <a:endParaRPr lang="en-US"/>
           </a:p>
         </p:txBody>
       </p:sp>
@@ -2137,38 +2136,37 @@
           <a:p>
             <a:pPr lvl="0"/>
             <a:r>
-              <a:rPr lang="en-US" smtClean="0"/>
+              <a:rPr lang="en-US"/>
               <a:t>Click to edit Master text styles</a:t>
             </a:r>
           </a:p>
           <a:p>
             <a:pPr lvl="1"/>
             <a:r>
-              <a:rPr lang="en-US" smtClean="0"/>
+              <a:rPr lang="en-US"/>
               <a:t>Second level</a:t>
             </a:r>
           </a:p>
           <a:p>
             <a:pPr lvl="2"/>
             <a:r>
-              <a:rPr lang="en-US" smtClean="0"/>
+              <a:rPr lang="en-US"/>
               <a:t>Third level</a:t>
             </a:r>
           </a:p>
           <a:p>
             <a:pPr lvl="3"/>
             <a:r>
-              <a:rPr lang="en-US" smtClean="0"/>
+              <a:rPr lang="en-US"/>
               <a:t>Fourth level</a:t>
             </a:r>
           </a:p>
           <a:p>
             <a:pPr lvl="4"/>
             <a:r>
-              <a:rPr lang="en-US" smtClean="0"/>
+              <a:rPr lang="en-US"/>
               <a:t>Fifth level</a:t>
             </a:r>
-            <a:endParaRPr lang="en-US"/>
           </a:p>
         </p:txBody>
       </p:sp>
@@ -2231,7 +2229,7 @@
           <a:p>
             <a:pPr lvl="0"/>
             <a:r>
-              <a:rPr lang="en-US" smtClean="0"/>
+              <a:rPr lang="en-US"/>
               <a:t>Click to edit Master text styles</a:t>
             </a:r>
           </a:p>
@@ -2254,7 +2252,7 @@
           <a:p>
             <a:fld id="{0E33F080-D45B-F644-9D91-C835372B101C}" type="datetimeFigureOut">
               <a:rPr lang="en-US" smtClean="0"/>
-              <a:t>8/11/18</a:t>
+              <a:t>3/23/20</a:t>
             </a:fld>
             <a:endParaRPr lang="en-US"/>
           </a:p>
@@ -2357,10 +2355,9 @@
           </a:lstStyle>
           <a:p>
             <a:r>
-              <a:rPr lang="en-US" smtClean="0"/>
+              <a:rPr lang="en-US"/>
               <a:t>Click to edit Master title style</a:t>
             </a:r>
-            <a:endParaRPr lang="en-US"/>
           </a:p>
         </p:txBody>
       </p:sp>
@@ -2484,7 +2481,7 @@
           <a:p>
             <a:pPr lvl="0"/>
             <a:r>
-              <a:rPr lang="en-US" smtClean="0"/>
+              <a:rPr lang="en-US"/>
               <a:t>Click to edit Master text styles</a:t>
             </a:r>
           </a:p>
@@ -2507,7 +2504,7 @@
           <a:p>
             <a:fld id="{0E33F080-D45B-F644-9D91-C835372B101C}" type="datetimeFigureOut">
               <a:rPr lang="en-US" smtClean="0"/>
-              <a:t>8/11/18</a:t>
+              <a:t>3/23/20</a:t>
             </a:fld>
             <a:endParaRPr lang="en-US"/>
           </a:p>
@@ -2616,10 +2613,9 @@
           <a:lstStyle/>
           <a:p>
             <a:r>
-              <a:rPr lang="en-US" smtClean="0"/>
+              <a:rPr lang="en-US"/>
               <a:t>Click to edit Master title style</a:t>
             </a:r>
-            <a:endParaRPr lang="en-US"/>
           </a:p>
         </p:txBody>
       </p:sp>
@@ -2650,38 +2646,37 @@
           <a:p>
             <a:pPr lvl="0"/>
             <a:r>
-              <a:rPr lang="en-US" smtClean="0"/>
+              <a:rPr lang="en-US"/>
               <a:t>Click to edit Master text styles</a:t>
             </a:r>
           </a:p>
           <a:p>
             <a:pPr lvl="1"/>
             <a:r>
-              <a:rPr lang="en-US" smtClean="0"/>
+              <a:rPr lang="en-US"/>
               <a:t>Second level</a:t>
             </a:r>
           </a:p>
           <a:p>
             <a:pPr lvl="2"/>
             <a:r>
-              <a:rPr lang="en-US" smtClean="0"/>
+              <a:rPr lang="en-US"/>
               <a:t>Third level</a:t>
             </a:r>
           </a:p>
           <a:p>
             <a:pPr lvl="3"/>
             <a:r>
-              <a:rPr lang="en-US" smtClean="0"/>
+              <a:rPr lang="en-US"/>
               <a:t>Fourth level</a:t>
             </a:r>
           </a:p>
           <a:p>
             <a:pPr lvl="4"/>
             <a:r>
-              <a:rPr lang="en-US" smtClean="0"/>
+              <a:rPr lang="en-US"/>
               <a:t>Fifth level</a:t>
             </a:r>
-            <a:endParaRPr lang="en-US"/>
           </a:p>
         </p:txBody>
       </p:sp>
@@ -2720,7 +2715,7 @@
           <a:p>
             <a:fld id="{0E33F080-D45B-F644-9D91-C835372B101C}" type="datetimeFigureOut">
               <a:rPr lang="en-US" smtClean="0"/>
-              <a:t>8/11/18</a:t>
+              <a:t>3/23/20</a:t>
             </a:fld>
             <a:endParaRPr lang="en-US"/>
           </a:p>
@@ -3097,22 +3092,26 @@
       </p:grpSpPr>
       <p:sp>
         <p:nvSpPr>
-          <p:cNvPr id="28" name="Up Arrow 27"/>
+          <p:cNvPr id="29" name="Rectangle 28">
+            <a:extLst>
+              <a:ext uri="{FF2B5EF4-FFF2-40B4-BE49-F238E27FC236}">
+                <a16:creationId xmlns:a16="http://schemas.microsoft.com/office/drawing/2014/main" id="{FDC50F80-107B-7245-924E-715E7353B375}"/>
+              </a:ext>
+            </a:extLst>
+          </p:cNvPr>
           <p:cNvSpPr/>
           <p:nvPr/>
         </p:nvSpPr>
         <p:spPr>
           <a:xfrm>
-            <a:off x="3373433" y="3033720"/>
-            <a:ext cx="278109" cy="1193054"/>
+            <a:off x="4542183" y="3716190"/>
+            <a:ext cx="3269973" cy="2982784"/>
           </a:xfrm>
-          <a:prstGeom prst="upArrow">
+          <a:prstGeom prst="rect">
             <a:avLst/>
           </a:prstGeom>
           <a:solidFill>
-            <a:schemeClr val="bg1">
-              <a:lumMod val="85000"/>
-            </a:schemeClr>
+            <a:schemeClr val="bg1"/>
           </a:solidFill>
           <a:ln>
             <a:solidFill>
@@ -3136,11 +3135,18 @@
           </a:fontRef>
         </p:style>
         <p:txBody>
-          <a:bodyPr rtlCol="0" anchor="ctr"/>
+          <a:bodyPr rtlCol="0" anchor="t" anchorCtr="0"/>
           <a:lstStyle/>
           <a:p>
             <a:pPr algn="ctr"/>
-            <a:endParaRPr lang="en-US"/>
+            <a:r>
+              <a:rPr lang="en-US" dirty="0">
+                <a:solidFill>
+                  <a:schemeClr val="tx1"/>
+                </a:solidFill>
+              </a:rPr>
+              <a:t>Other formats</a:t>
+            </a:r>
           </a:p>
         </p:txBody>
       </p:sp>
@@ -3152,8 +3158,8 @@
         </p:nvSpPr>
         <p:spPr>
           <a:xfrm>
-            <a:off x="1770629" y="4064041"/>
-            <a:ext cx="2382469" cy="1205191"/>
+            <a:off x="1542297" y="2131594"/>
+            <a:ext cx="2573070" cy="997168"/>
           </a:xfrm>
           <a:prstGeom prst="roundRect">
             <a:avLst/>
@@ -3187,7 +3193,30 @@
           <a:lstStyle/>
           <a:p>
             <a:pPr algn="ctr"/>
-            <a:endParaRPr lang="en-US"/>
+            <a:r>
+              <a:rPr lang="en-US" dirty="0" err="1">
+                <a:solidFill>
+                  <a:schemeClr val="tx1"/>
+                </a:solidFill>
+              </a:rPr>
+              <a:t>OpenManuscript</a:t>
+            </a:r>
+            <a:endParaRPr lang="en-US" dirty="0">
+              <a:solidFill>
+                <a:schemeClr val="tx1"/>
+              </a:solidFill>
+            </a:endParaRPr>
+          </a:p>
+          <a:p>
+            <a:pPr algn="ctr"/>
+            <a:r>
+              <a:rPr lang="en-US" dirty="0">
+                <a:solidFill>
+                  <a:schemeClr val="tx1"/>
+                </a:solidFill>
+              </a:rPr>
+              <a:t>Data</a:t>
+            </a:r>
           </a:p>
         </p:txBody>
       </p:sp>
@@ -3198,8 +3227,8 @@
           <p:nvPr/>
         </p:nvSpPr>
         <p:spPr>
-          <a:xfrm>
-            <a:off x="5728092" y="2384579"/>
+          <a:xfrm rot="5400000">
+            <a:off x="5837238" y="3200023"/>
             <a:ext cx="745699" cy="315588"/>
           </a:xfrm>
           <a:prstGeom prst="rightArrow">
@@ -3242,51 +3271,13 @@
       </p:sp>
       <p:sp>
         <p:nvSpPr>
-          <p:cNvPr id="5" name="TextBox 4"/>
-          <p:cNvSpPr txBox="1"/>
-          <p:nvPr/>
-        </p:nvSpPr>
-        <p:spPr>
-          <a:xfrm>
-            <a:off x="1770629" y="4396477"/>
-            <a:ext cx="2382469" cy="646331"/>
-          </a:xfrm>
-          <a:prstGeom prst="rect">
-            <a:avLst/>
-          </a:prstGeom>
-          <a:noFill/>
-        </p:spPr>
-        <p:txBody>
-          <a:bodyPr wrap="square" rtlCol="0">
-            <a:spAutoFit/>
-          </a:bodyPr>
-          <a:lstStyle/>
-          <a:p>
-            <a:pPr algn="ctr"/>
-            <a:r>
-              <a:rPr lang="en-US" dirty="0" smtClean="0"/>
-              <a:t>OpenManuscript</a:t>
-            </a:r>
-          </a:p>
-          <a:p>
-            <a:pPr algn="ctr"/>
-            <a:r>
-              <a:rPr lang="en-US" dirty="0" smtClean="0"/>
-              <a:t>Data</a:t>
-            </a:r>
-            <a:endParaRPr lang="en-US" dirty="0"/>
-          </a:p>
-        </p:txBody>
-      </p:sp>
-      <p:sp>
-        <p:nvSpPr>
           <p:cNvPr id="7" name="Rectangle 6"/>
           <p:cNvSpPr/>
           <p:nvPr/>
         </p:nvSpPr>
         <p:spPr>
           <a:xfrm>
-            <a:off x="123630" y="2039719"/>
+            <a:off x="1542296" y="396588"/>
             <a:ext cx="2573071" cy="997168"/>
           </a:xfrm>
           <a:prstGeom prst="rect">
@@ -3321,7 +3312,11 @@
           <a:lstStyle/>
           <a:p>
             <a:pPr algn="ctr"/>
-            <a:endParaRPr lang="en-US"/>
+            <a:endParaRPr lang="en-US">
+              <a:solidFill>
+                <a:schemeClr val="tx1"/>
+              </a:solidFill>
+            </a:endParaRPr>
           </a:p>
         </p:txBody>
       </p:sp>
@@ -3333,7 +3328,7 @@
         </p:nvSpPr>
         <p:spPr>
           <a:xfrm>
-            <a:off x="123630" y="2262964"/>
+            <a:off x="1542296" y="532063"/>
             <a:ext cx="2573071" cy="646331"/>
           </a:xfrm>
           <a:prstGeom prst="rect">
@@ -3349,17 +3344,9 @@
           <a:p>
             <a:pPr algn="ctr"/>
             <a:r>
-              <a:rPr lang="en-US" dirty="0" smtClean="0"/>
-              <a:t>Tools for</a:t>
-            </a:r>
-          </a:p>
-          <a:p>
-            <a:pPr algn="ctr"/>
-            <a:r>
-              <a:rPr lang="en-US" dirty="0" smtClean="0"/>
-              <a:t>Editing</a:t>
-            </a:r>
-            <a:endParaRPr lang="en-US" dirty="0"/>
+              <a:rPr lang="en-US" dirty="0"/>
+              <a:t>Tools for day-to-day Editing</a:t>
+            </a:r>
           </a:p>
         </p:txBody>
       </p:sp>
@@ -3371,7 +3358,7 @@
         </p:nvSpPr>
         <p:spPr>
           <a:xfrm>
-            <a:off x="3373433" y="2036552"/>
+            <a:off x="4867941" y="2131594"/>
             <a:ext cx="2711005" cy="997168"/>
           </a:xfrm>
           <a:prstGeom prst="rect">
@@ -3406,45 +3393,38 @@
           <a:lstStyle/>
           <a:p>
             <a:pPr algn="ctr"/>
-            <a:endParaRPr lang="en-US"/>
-          </a:p>
-        </p:txBody>
-      </p:sp>
-      <p:sp>
-        <p:nvSpPr>
-          <p:cNvPr id="10" name="TextBox 9"/>
-          <p:cNvSpPr txBox="1"/>
-          <p:nvPr/>
-        </p:nvSpPr>
-        <p:spPr>
-          <a:xfrm>
-            <a:off x="3373433" y="2167090"/>
-            <a:ext cx="2711005" cy="646331"/>
-          </a:xfrm>
-          <a:prstGeom prst="rect">
-            <a:avLst/>
-          </a:prstGeom>
-          <a:noFill/>
-        </p:spPr>
-        <p:txBody>
-          <a:bodyPr wrap="square" rtlCol="0">
-            <a:spAutoFit/>
-          </a:bodyPr>
-          <a:lstStyle/>
+            <a:r>
+              <a:rPr lang="en-US" dirty="0">
+                <a:solidFill>
+                  <a:schemeClr val="tx1"/>
+                </a:solidFill>
+              </a:rPr>
+              <a:t>Tools for </a:t>
+            </a:r>
+            <a:r>
+              <a:rPr lang="en-US" i="1" dirty="0">
+                <a:solidFill>
+                  <a:schemeClr val="tx1"/>
+                </a:solidFill>
+              </a:rPr>
+              <a:t>Export</a:t>
+            </a:r>
+            <a:endParaRPr lang="en-US" dirty="0">
+              <a:solidFill>
+                <a:schemeClr val="tx1"/>
+              </a:solidFill>
+            </a:endParaRPr>
+          </a:p>
           <a:p>
             <a:pPr algn="ctr"/>
             <a:r>
-              <a:rPr lang="en-US" dirty="0" smtClean="0"/>
-              <a:t> Tools for</a:t>
-            </a:r>
-          </a:p>
-          <a:p>
-            <a:pPr algn="ctr"/>
-            <a:r>
-              <a:rPr lang="en-US" dirty="0" smtClean="0"/>
-              <a:t>Creating Final Products</a:t>
-            </a:r>
-            <a:endParaRPr lang="en-US" dirty="0"/>
+              <a:rPr lang="en-US" dirty="0">
+                <a:solidFill>
+                  <a:schemeClr val="tx1"/>
+                </a:solidFill>
+              </a:rPr>
+              <a:t>(to share with others)</a:t>
+            </a:r>
           </a:p>
         </p:txBody>
       </p:sp>
@@ -3456,7 +3436,7 @@
         </p:nvGrpSpPr>
         <p:grpSpPr>
           <a:xfrm>
-            <a:off x="6330661" y="1574887"/>
+            <a:off x="4745728" y="4065380"/>
             <a:ext cx="1004150" cy="1412587"/>
             <a:chOff x="6433593" y="1574887"/>
             <a:chExt cx="1004150" cy="1412587"/>
@@ -3524,17 +3504,16 @@
             <a:p>
               <a:pPr algn="ctr"/>
               <a:r>
-                <a:rPr lang="en-US" sz="1200" dirty="0" smtClean="0"/>
+                <a:rPr lang="en-US" sz="1200" dirty="0"/>
                 <a:t>Word</a:t>
               </a:r>
             </a:p>
             <a:p>
               <a:pPr algn="ctr"/>
               <a:r>
-                <a:rPr lang="en-US" sz="1200" dirty="0" smtClean="0"/>
+                <a:rPr lang="en-US" sz="1200" dirty="0"/>
                 <a:t>document</a:t>
               </a:r>
-              <a:endParaRPr lang="en-US" sz="1200" dirty="0"/>
             </a:p>
           </p:txBody>
         </p:sp>
@@ -3547,7 +3526,7 @@
         </p:nvGrpSpPr>
         <p:grpSpPr>
           <a:xfrm>
-            <a:off x="7264364" y="2144646"/>
+            <a:off x="5679431" y="4635139"/>
             <a:ext cx="1004150" cy="1412587"/>
             <a:chOff x="6433593" y="1574887"/>
             <a:chExt cx="1004150" cy="1412587"/>
@@ -3615,17 +3594,16 @@
             <a:p>
               <a:pPr algn="ctr"/>
               <a:r>
-                <a:rPr lang="en-US" sz="1200" dirty="0" smtClean="0"/>
+                <a:rPr lang="en-US" sz="1200" dirty="0"/>
                 <a:t>RTF</a:t>
               </a:r>
             </a:p>
             <a:p>
               <a:pPr algn="ctr"/>
               <a:r>
-                <a:rPr lang="en-US" sz="1200" dirty="0" smtClean="0"/>
+                <a:rPr lang="en-US" sz="1200" dirty="0"/>
                 <a:t>document</a:t>
               </a:r>
-              <a:endParaRPr lang="en-US" sz="1200" dirty="0"/>
             </a:p>
           </p:txBody>
         </p:sp>
@@ -3638,7 +3616,7 @@
         </p:nvGrpSpPr>
         <p:grpSpPr>
           <a:xfrm>
-            <a:off x="8139850" y="2717659"/>
+            <a:off x="6554917" y="5208152"/>
             <a:ext cx="1004150" cy="1412587"/>
             <a:chOff x="6433593" y="1574887"/>
             <a:chExt cx="1004150" cy="1412587"/>
@@ -3706,7 +3684,7 @@
             <a:p>
               <a:pPr algn="ctr"/>
               <a:r>
-                <a:rPr lang="en-US" sz="1200" dirty="0" smtClean="0"/>
+                <a:rPr lang="en-US" sz="1200" dirty="0"/>
                 <a:t>eBook</a:t>
               </a:r>
             </a:p>
@@ -3721,8 +3699,8 @@
         </p:nvSpPr>
         <p:spPr>
           <a:xfrm>
-            <a:off x="2418593" y="3043656"/>
-            <a:ext cx="278109" cy="1027154"/>
+            <a:off x="2689776" y="1405794"/>
+            <a:ext cx="278109" cy="725800"/>
           </a:xfrm>
           <a:prstGeom prst="upDownArrow">
             <a:avLst/>
@@ -3764,68 +3742,56 @@
       </p:sp>
       <p:sp>
         <p:nvSpPr>
-          <p:cNvPr id="25" name="TextBox 24"/>
-          <p:cNvSpPr txBox="1"/>
+          <p:cNvPr id="26" name="Right Arrow 25">
+            <a:extLst>
+              <a:ext uri="{FF2B5EF4-FFF2-40B4-BE49-F238E27FC236}">
+                <a16:creationId xmlns:a16="http://schemas.microsoft.com/office/drawing/2014/main" id="{A7B52296-4B15-3846-AAA5-86A84E7C7D8D}"/>
+              </a:ext>
+            </a:extLst>
+          </p:cNvPr>
+          <p:cNvSpPr/>
           <p:nvPr/>
         </p:nvSpPr>
         <p:spPr>
           <a:xfrm>
-            <a:off x="647964" y="3372567"/>
-            <a:ext cx="1770629" cy="369332"/>
+            <a:off x="4115367" y="2472384"/>
+            <a:ext cx="745699" cy="315588"/>
           </a:xfrm>
-          <a:prstGeom prst="rect">
+          <a:prstGeom prst="rightArrow">
             <a:avLst/>
           </a:prstGeom>
-          <a:noFill/>
+          <a:solidFill>
+            <a:schemeClr val="bg1">
+              <a:lumMod val="85000"/>
+            </a:schemeClr>
+          </a:solidFill>
+          <a:ln>
+            <a:solidFill>
+              <a:schemeClr val="tx1"/>
+            </a:solidFill>
+          </a:ln>
+          <a:effectLst/>
         </p:spPr>
-        <p:txBody>
-          <a:bodyPr wrap="square" rtlCol="0">
-            <a:spAutoFit/>
-          </a:bodyPr>
-          <a:lstStyle/>
-          <a:p>
-            <a:pPr algn="r"/>
-            <a:r>
-              <a:rPr lang="en-US" dirty="0" smtClean="0"/>
-              <a:t>Day to day work</a:t>
-            </a:r>
-            <a:endParaRPr lang="en-US" dirty="0"/>
-          </a:p>
-        </p:txBody>
-      </p:sp>
-      <p:sp>
-        <p:nvSpPr>
-          <p:cNvPr id="27" name="TextBox 26"/>
-          <p:cNvSpPr txBox="1"/>
-          <p:nvPr/>
-        </p:nvSpPr>
-        <p:spPr>
-          <a:xfrm>
-            <a:off x="3651542" y="3234067"/>
-            <a:ext cx="2432897" cy="646331"/>
-          </a:xfrm>
-          <a:prstGeom prst="rect">
-            <a:avLst/>
-          </a:prstGeom>
-          <a:noFill/>
-        </p:spPr>
-        <p:txBody>
-          <a:bodyPr wrap="square" rtlCol="0">
-            <a:spAutoFit/>
-          </a:bodyPr>
-          <a:lstStyle/>
-          <a:p>
-            <a:r>
-              <a:rPr lang="en-US" dirty="0" smtClean="0"/>
-              <a:t>When it's time to </a:t>
-            </a:r>
-            <a:endParaRPr lang="en-US" dirty="0"/>
-          </a:p>
-          <a:p>
-            <a:r>
-              <a:rPr lang="en-US" dirty="0" smtClean="0"/>
-              <a:t>Look, share or pass on</a:t>
-            </a:r>
+        <p:style>
+          <a:lnRef idx="1">
+            <a:schemeClr val="accent1"/>
+          </a:lnRef>
+          <a:fillRef idx="3">
+            <a:schemeClr val="accent1"/>
+          </a:fillRef>
+          <a:effectRef idx="2">
+            <a:schemeClr val="accent1"/>
+          </a:effectRef>
+          <a:fontRef idx="minor">
+            <a:schemeClr val="lt1"/>
+          </a:fontRef>
+        </p:style>
+        <p:txBody>
+          <a:bodyPr rtlCol="0" anchor="ctr"/>
+          <a:lstStyle/>
+          <a:p>
+            <a:pPr algn="ctr"/>
+            <a:endParaRPr lang="en-US"/>
           </a:p>
         </p:txBody>
       </p:sp>

--- a/img/workflow.pptx
+++ b/img/workflow.pptx
@@ -302,7 +302,7 @@
           <a:p>
             <a:fld id="{0E33F080-D45B-F644-9D91-C835372B101C}" type="datetimeFigureOut">
               <a:rPr lang="en-US" smtClean="0"/>
-              <a:t>3/23/20</a:t>
+              <a:t>4/6/20</a:t>
             </a:fld>
             <a:endParaRPr lang="en-US"/>
           </a:p>
@@ -470,7 +470,7 @@
           <a:p>
             <a:fld id="{0E33F080-D45B-F644-9D91-C835372B101C}" type="datetimeFigureOut">
               <a:rPr lang="en-US" smtClean="0"/>
-              <a:t>3/23/20</a:t>
+              <a:t>4/6/20</a:t>
             </a:fld>
             <a:endParaRPr lang="en-US"/>
           </a:p>
@@ -648,7 +648,7 @@
           <a:p>
             <a:fld id="{0E33F080-D45B-F644-9D91-C835372B101C}" type="datetimeFigureOut">
               <a:rPr lang="en-US" smtClean="0"/>
-              <a:t>3/23/20</a:t>
+              <a:t>4/6/20</a:t>
             </a:fld>
             <a:endParaRPr lang="en-US"/>
           </a:p>
@@ -816,7 +816,7 @@
           <a:p>
             <a:fld id="{0E33F080-D45B-F644-9D91-C835372B101C}" type="datetimeFigureOut">
               <a:rPr lang="en-US" smtClean="0"/>
-              <a:t>3/23/20</a:t>
+              <a:t>4/6/20</a:t>
             </a:fld>
             <a:endParaRPr lang="en-US"/>
           </a:p>
@@ -1061,7 +1061,7 @@
           <a:p>
             <a:fld id="{0E33F080-D45B-F644-9D91-C835372B101C}" type="datetimeFigureOut">
               <a:rPr lang="en-US" smtClean="0"/>
-              <a:t>3/23/20</a:t>
+              <a:t>4/6/20</a:t>
             </a:fld>
             <a:endParaRPr lang="en-US"/>
           </a:p>
@@ -1346,7 +1346,7 @@
           <a:p>
             <a:fld id="{0E33F080-D45B-F644-9D91-C835372B101C}" type="datetimeFigureOut">
               <a:rPr lang="en-US" smtClean="0"/>
-              <a:t>3/23/20</a:t>
+              <a:t>4/6/20</a:t>
             </a:fld>
             <a:endParaRPr lang="en-US"/>
           </a:p>
@@ -1765,7 +1765,7 @@
           <a:p>
             <a:fld id="{0E33F080-D45B-F644-9D91-C835372B101C}" type="datetimeFigureOut">
               <a:rPr lang="en-US" smtClean="0"/>
-              <a:t>3/23/20</a:t>
+              <a:t>4/6/20</a:t>
             </a:fld>
             <a:endParaRPr lang="en-US"/>
           </a:p>
@@ -1882,7 +1882,7 @@
           <a:p>
             <a:fld id="{0E33F080-D45B-F644-9D91-C835372B101C}" type="datetimeFigureOut">
               <a:rPr lang="en-US" smtClean="0"/>
-              <a:t>3/23/20</a:t>
+              <a:t>4/6/20</a:t>
             </a:fld>
             <a:endParaRPr lang="en-US"/>
           </a:p>
@@ -1977,7 +1977,7 @@
           <a:p>
             <a:fld id="{0E33F080-D45B-F644-9D91-C835372B101C}" type="datetimeFigureOut">
               <a:rPr lang="en-US" smtClean="0"/>
-              <a:t>3/23/20</a:t>
+              <a:t>4/6/20</a:t>
             </a:fld>
             <a:endParaRPr lang="en-US"/>
           </a:p>
@@ -2252,7 +2252,7 @@
           <a:p>
             <a:fld id="{0E33F080-D45B-F644-9D91-C835372B101C}" type="datetimeFigureOut">
               <a:rPr lang="en-US" smtClean="0"/>
-              <a:t>3/23/20</a:t>
+              <a:t>4/6/20</a:t>
             </a:fld>
             <a:endParaRPr lang="en-US"/>
           </a:p>
@@ -2504,7 +2504,7 @@
           <a:p>
             <a:fld id="{0E33F080-D45B-F644-9D91-C835372B101C}" type="datetimeFigureOut">
               <a:rPr lang="en-US" smtClean="0"/>
-              <a:t>3/23/20</a:t>
+              <a:t>4/6/20</a:t>
             </a:fld>
             <a:endParaRPr lang="en-US"/>
           </a:p>
@@ -2715,7 +2715,7 @@
           <a:p>
             <a:fld id="{0E33F080-D45B-F644-9D91-C835372B101C}" type="datetimeFigureOut">
               <a:rPr lang="en-US" smtClean="0"/>
-              <a:t>3/23/20</a:t>
+              <a:t>4/6/20</a:t>
             </a:fld>
             <a:endParaRPr lang="en-US"/>
           </a:p>
@@ -3092,10 +3092,10 @@
       </p:grpSpPr>
       <p:sp>
         <p:nvSpPr>
-          <p:cNvPr id="29" name="Rectangle 28">
+          <p:cNvPr id="25" name="Right Arrow 24">
             <a:extLst>
               <a:ext uri="{FF2B5EF4-FFF2-40B4-BE49-F238E27FC236}">
-                <a16:creationId xmlns:a16="http://schemas.microsoft.com/office/drawing/2014/main" id="{FDC50F80-107B-7245-924E-715E7353B375}"/>
+                <a16:creationId xmlns:a16="http://schemas.microsoft.com/office/drawing/2014/main" id="{6370A837-E5DA-5246-BAA3-8E1F539CD867}"/>
               </a:ext>
             </a:extLst>
           </p:cNvPr>
@@ -3104,131 +3104,7 @@
         </p:nvSpPr>
         <p:spPr>
           <a:xfrm>
-            <a:off x="4542183" y="3716190"/>
-            <a:ext cx="3269973" cy="2982784"/>
-          </a:xfrm>
-          <a:prstGeom prst="rect">
-            <a:avLst/>
-          </a:prstGeom>
-          <a:solidFill>
-            <a:schemeClr val="bg1"/>
-          </a:solidFill>
-          <a:ln>
-            <a:solidFill>
-              <a:schemeClr val="tx1"/>
-            </a:solidFill>
-          </a:ln>
-          <a:effectLst/>
-        </p:spPr>
-        <p:style>
-          <a:lnRef idx="1">
-            <a:schemeClr val="accent1"/>
-          </a:lnRef>
-          <a:fillRef idx="3">
-            <a:schemeClr val="accent1"/>
-          </a:fillRef>
-          <a:effectRef idx="2">
-            <a:schemeClr val="accent1"/>
-          </a:effectRef>
-          <a:fontRef idx="minor">
-            <a:schemeClr val="lt1"/>
-          </a:fontRef>
-        </p:style>
-        <p:txBody>
-          <a:bodyPr rtlCol="0" anchor="t" anchorCtr="0"/>
-          <a:lstStyle/>
-          <a:p>
-            <a:pPr algn="ctr"/>
-            <a:r>
-              <a:rPr lang="en-US" dirty="0">
-                <a:solidFill>
-                  <a:schemeClr val="tx1"/>
-                </a:solidFill>
-              </a:rPr>
-              <a:t>Other formats</a:t>
-            </a:r>
-          </a:p>
-        </p:txBody>
-      </p:sp>
-      <p:sp>
-        <p:nvSpPr>
-          <p:cNvPr id="23" name="Rounded Rectangle 22"/>
-          <p:cNvSpPr/>
-          <p:nvPr/>
-        </p:nvSpPr>
-        <p:spPr>
-          <a:xfrm>
-            <a:off x="1542297" y="2131594"/>
-            <a:ext cx="2573070" cy="997168"/>
-          </a:xfrm>
-          <a:prstGeom prst="roundRect">
-            <a:avLst/>
-          </a:prstGeom>
-          <a:solidFill>
-            <a:schemeClr val="bg1"/>
-          </a:solidFill>
-          <a:ln>
-            <a:solidFill>
-              <a:schemeClr val="tx1"/>
-            </a:solidFill>
-          </a:ln>
-          <a:effectLst/>
-        </p:spPr>
-        <p:style>
-          <a:lnRef idx="1">
-            <a:schemeClr val="accent1"/>
-          </a:lnRef>
-          <a:fillRef idx="3">
-            <a:schemeClr val="accent1"/>
-          </a:fillRef>
-          <a:effectRef idx="2">
-            <a:schemeClr val="accent1"/>
-          </a:effectRef>
-          <a:fontRef idx="minor">
-            <a:schemeClr val="lt1"/>
-          </a:fontRef>
-        </p:style>
-        <p:txBody>
-          <a:bodyPr rtlCol="0" anchor="ctr"/>
-          <a:lstStyle/>
-          <a:p>
-            <a:pPr algn="ctr"/>
-            <a:r>
-              <a:rPr lang="en-US" dirty="0" err="1">
-                <a:solidFill>
-                  <a:schemeClr val="tx1"/>
-                </a:solidFill>
-              </a:rPr>
-              <a:t>OpenManuscript</a:t>
-            </a:r>
-            <a:endParaRPr lang="en-US" dirty="0">
-              <a:solidFill>
-                <a:schemeClr val="tx1"/>
-              </a:solidFill>
-            </a:endParaRPr>
-          </a:p>
-          <a:p>
-            <a:pPr algn="ctr"/>
-            <a:r>
-              <a:rPr lang="en-US" dirty="0">
-                <a:solidFill>
-                  <a:schemeClr val="tx1"/>
-                </a:solidFill>
-              </a:rPr>
-              <a:t>Data</a:t>
-            </a:r>
-          </a:p>
-        </p:txBody>
-      </p:sp>
-      <p:sp>
-        <p:nvSpPr>
-          <p:cNvPr id="11" name="Right Arrow 10"/>
-          <p:cNvSpPr/>
-          <p:nvPr/>
-        </p:nvSpPr>
-        <p:spPr>
-          <a:xfrm rot="5400000">
-            <a:off x="5837238" y="3200023"/>
+            <a:off x="2668185" y="2502201"/>
             <a:ext cx="745699" cy="315588"/>
           </a:xfrm>
           <a:prstGeom prst="rightArrow">
@@ -3271,14 +3147,75 @@
       </p:sp>
       <p:sp>
         <p:nvSpPr>
-          <p:cNvPr id="7" name="Rectangle 6"/>
+          <p:cNvPr id="26" name="Right Arrow 25">
+            <a:extLst>
+              <a:ext uri="{FF2B5EF4-FFF2-40B4-BE49-F238E27FC236}">
+                <a16:creationId xmlns:a16="http://schemas.microsoft.com/office/drawing/2014/main" id="{A7B52296-4B15-3846-AAA5-86A84E7C7D8D}"/>
+              </a:ext>
+            </a:extLst>
+          </p:cNvPr>
           <p:cNvSpPr/>
           <p:nvPr/>
         </p:nvSpPr>
         <p:spPr>
           <a:xfrm>
-            <a:off x="1542296" y="396588"/>
-            <a:ext cx="2573071" cy="997168"/>
+            <a:off x="5553840" y="2502201"/>
+            <a:ext cx="745699" cy="315588"/>
+          </a:xfrm>
+          <a:prstGeom prst="rightArrow">
+            <a:avLst/>
+          </a:prstGeom>
+          <a:solidFill>
+            <a:schemeClr val="bg1">
+              <a:lumMod val="85000"/>
+            </a:schemeClr>
+          </a:solidFill>
+          <a:ln>
+            <a:solidFill>
+              <a:schemeClr val="tx1"/>
+            </a:solidFill>
+          </a:ln>
+          <a:effectLst/>
+        </p:spPr>
+        <p:style>
+          <a:lnRef idx="1">
+            <a:schemeClr val="accent1"/>
+          </a:lnRef>
+          <a:fillRef idx="3">
+            <a:schemeClr val="accent1"/>
+          </a:fillRef>
+          <a:effectRef idx="2">
+            <a:schemeClr val="accent1"/>
+          </a:effectRef>
+          <a:fontRef idx="minor">
+            <a:schemeClr val="lt1"/>
+          </a:fontRef>
+        </p:style>
+        <p:txBody>
+          <a:bodyPr rtlCol="0" anchor="ctr"/>
+          <a:lstStyle/>
+          <a:p>
+            <a:pPr algn="ctr"/>
+            <a:endParaRPr lang="en-US"/>
+          </a:p>
+        </p:txBody>
+      </p:sp>
+      <p:sp>
+        <p:nvSpPr>
+          <p:cNvPr id="29" name="Rectangle 28">
+            <a:extLst>
+              <a:ext uri="{FF2B5EF4-FFF2-40B4-BE49-F238E27FC236}">
+                <a16:creationId xmlns:a16="http://schemas.microsoft.com/office/drawing/2014/main" id="{FDC50F80-107B-7245-924E-715E7353B375}"/>
+              </a:ext>
+            </a:extLst>
+          </p:cNvPr>
+          <p:cNvSpPr/>
+          <p:nvPr/>
+        </p:nvSpPr>
+        <p:spPr>
+          <a:xfrm>
+            <a:off x="5807551" y="3743411"/>
+            <a:ext cx="3269973" cy="2982784"/>
           </a:xfrm>
           <a:prstGeom prst="rect">
             <a:avLst/>
@@ -3308,58 +3245,145 @@
           </a:fontRef>
         </p:style>
         <p:txBody>
-          <a:bodyPr rtlCol="0" anchor="ctr"/>
+          <a:bodyPr rtlCol="0" anchor="t" anchorCtr="0"/>
           <a:lstStyle/>
           <a:p>
             <a:pPr algn="ctr"/>
-            <a:endParaRPr lang="en-US">
-              <a:solidFill>
-                <a:schemeClr val="tx1"/>
-              </a:solidFill>
-            </a:endParaRPr>
-          </a:p>
-        </p:txBody>
-      </p:sp>
-      <p:sp>
-        <p:nvSpPr>
-          <p:cNvPr id="8" name="TextBox 7"/>
-          <p:cNvSpPr txBox="1"/>
+            <a:r>
+              <a:rPr lang="en-US" dirty="0">
+                <a:solidFill>
+                  <a:schemeClr val="tx1"/>
+                </a:solidFill>
+              </a:rPr>
+              <a:t>Other formats</a:t>
+            </a:r>
+          </a:p>
+        </p:txBody>
+      </p:sp>
+      <p:sp>
+        <p:nvSpPr>
+          <p:cNvPr id="23" name="Rounded Rectangle 22"/>
+          <p:cNvSpPr/>
           <p:nvPr/>
         </p:nvSpPr>
         <p:spPr>
           <a:xfrm>
-            <a:off x="1542296" y="532063"/>
-            <a:ext cx="2573071" cy="646331"/>
+            <a:off x="3429000" y="2161411"/>
+            <a:ext cx="2286000" cy="997168"/>
           </a:xfrm>
-          <a:prstGeom prst="rect">
+          <a:prstGeom prst="roundRect">
             <a:avLst/>
           </a:prstGeom>
-          <a:noFill/>
+          <a:solidFill>
+            <a:schemeClr val="bg1"/>
+          </a:solidFill>
+          <a:ln>
+            <a:solidFill>
+              <a:schemeClr val="tx1"/>
+            </a:solidFill>
+          </a:ln>
+          <a:effectLst/>
         </p:spPr>
-        <p:txBody>
-          <a:bodyPr wrap="square" rtlCol="0">
-            <a:spAutoFit/>
-          </a:bodyPr>
+        <p:style>
+          <a:lnRef idx="1">
+            <a:schemeClr val="accent1"/>
+          </a:lnRef>
+          <a:fillRef idx="3">
+            <a:schemeClr val="accent1"/>
+          </a:fillRef>
+          <a:effectRef idx="2">
+            <a:schemeClr val="accent1"/>
+          </a:effectRef>
+          <a:fontRef idx="minor">
+            <a:schemeClr val="lt1"/>
+          </a:fontRef>
+        </p:style>
+        <p:txBody>
+          <a:bodyPr rtlCol="0" anchor="ctr"/>
           <a:lstStyle/>
           <a:p>
             <a:pPr algn="ctr"/>
             <a:r>
-              <a:rPr lang="en-US" dirty="0"/>
-              <a:t>Tools for day-to-day Editing</a:t>
-            </a:r>
-          </a:p>
-        </p:txBody>
-      </p:sp>
-      <p:sp>
-        <p:nvSpPr>
-          <p:cNvPr id="9" name="Rectangle 8"/>
+              <a:rPr lang="en-US" dirty="0">
+                <a:solidFill>
+                  <a:schemeClr val="tx1"/>
+                </a:solidFill>
+              </a:rPr>
+              <a:t>OpenManuscript</a:t>
+            </a:r>
+          </a:p>
+          <a:p>
+            <a:pPr algn="ctr"/>
+            <a:r>
+              <a:rPr lang="en-US" dirty="0">
+                <a:solidFill>
+                  <a:schemeClr val="tx1"/>
+                </a:solidFill>
+              </a:rPr>
+              <a:t>Data</a:t>
+            </a:r>
+          </a:p>
+        </p:txBody>
+      </p:sp>
+      <p:sp>
+        <p:nvSpPr>
+          <p:cNvPr id="11" name="Right Arrow 10"/>
           <p:cNvSpPr/>
           <p:nvPr/>
         </p:nvSpPr>
         <p:spPr>
+          <a:xfrm rot="5400000">
+            <a:off x="7069689" y="3212197"/>
+            <a:ext cx="745699" cy="315588"/>
+          </a:xfrm>
+          <a:prstGeom prst="rightArrow">
+            <a:avLst/>
+          </a:prstGeom>
+          <a:solidFill>
+            <a:schemeClr val="bg1">
+              <a:lumMod val="85000"/>
+            </a:schemeClr>
+          </a:solidFill>
+          <a:ln>
+            <a:solidFill>
+              <a:schemeClr val="tx1"/>
+            </a:solidFill>
+          </a:ln>
+          <a:effectLst/>
+        </p:spPr>
+        <p:style>
+          <a:lnRef idx="1">
+            <a:schemeClr val="accent1"/>
+          </a:lnRef>
+          <a:fillRef idx="3">
+            <a:schemeClr val="accent1"/>
+          </a:fillRef>
+          <a:effectRef idx="2">
+            <a:schemeClr val="accent1"/>
+          </a:effectRef>
+          <a:fontRef idx="minor">
+            <a:schemeClr val="lt1"/>
+          </a:fontRef>
+        </p:style>
+        <p:txBody>
+          <a:bodyPr rtlCol="0" anchor="ctr"/>
+          <a:lstStyle/>
+          <a:p>
+            <a:pPr algn="ctr"/>
+            <a:endParaRPr lang="en-US"/>
+          </a:p>
+        </p:txBody>
+      </p:sp>
+      <p:sp>
+        <p:nvSpPr>
+          <p:cNvPr id="7" name="Rectangle 6"/>
+          <p:cNvSpPr/>
+          <p:nvPr/>
+        </p:nvSpPr>
+        <p:spPr>
           <a:xfrm>
-            <a:off x="4867941" y="2131594"/>
-            <a:ext cx="2711005" cy="997168"/>
+            <a:off x="558461" y="2161411"/>
+            <a:ext cx="2286000" cy="997168"/>
           </a:xfrm>
           <a:prstGeom prst="rect">
             <a:avLst/>
@@ -3399,6 +3423,60 @@
                   <a:schemeClr val="tx1"/>
                 </a:solidFill>
               </a:rPr>
+              <a:t>Tools for day-to-day Editing</a:t>
+            </a:r>
+          </a:p>
+        </p:txBody>
+      </p:sp>
+      <p:sp>
+        <p:nvSpPr>
+          <p:cNvPr id="9" name="Rectangle 8"/>
+          <p:cNvSpPr/>
+          <p:nvPr/>
+        </p:nvSpPr>
+        <p:spPr>
+          <a:xfrm>
+            <a:off x="6299539" y="2161411"/>
+            <a:ext cx="2286000" cy="997168"/>
+          </a:xfrm>
+          <a:prstGeom prst="rect">
+            <a:avLst/>
+          </a:prstGeom>
+          <a:solidFill>
+            <a:schemeClr val="bg1"/>
+          </a:solidFill>
+          <a:ln>
+            <a:solidFill>
+              <a:schemeClr val="tx1"/>
+            </a:solidFill>
+          </a:ln>
+          <a:effectLst/>
+        </p:spPr>
+        <p:style>
+          <a:lnRef idx="1">
+            <a:schemeClr val="accent1"/>
+          </a:lnRef>
+          <a:fillRef idx="3">
+            <a:schemeClr val="accent1"/>
+          </a:fillRef>
+          <a:effectRef idx="2">
+            <a:schemeClr val="accent1"/>
+          </a:effectRef>
+          <a:fontRef idx="minor">
+            <a:schemeClr val="lt1"/>
+          </a:fontRef>
+        </p:style>
+        <p:txBody>
+          <a:bodyPr rtlCol="0" anchor="ctr"/>
+          <a:lstStyle/>
+          <a:p>
+            <a:pPr algn="ctr"/>
+            <a:r>
+              <a:rPr lang="en-US" dirty="0">
+                <a:solidFill>
+                  <a:schemeClr val="tx1"/>
+                </a:solidFill>
+              </a:rPr>
               <a:t>Tools for </a:t>
             </a:r>
             <a:r>
@@ -3436,7 +3514,7 @@
         </p:nvGrpSpPr>
         <p:grpSpPr>
           <a:xfrm>
-            <a:off x="4745728" y="4065380"/>
+            <a:off x="5968243" y="4052275"/>
             <a:ext cx="1004150" cy="1412587"/>
             <a:chOff x="6433593" y="1574887"/>
             <a:chExt cx="1004150" cy="1412587"/>
@@ -3526,7 +3604,7 @@
         </p:nvGrpSpPr>
         <p:grpSpPr>
           <a:xfrm>
-            <a:off x="5679431" y="4635139"/>
+            <a:off x="6941702" y="4661790"/>
             <a:ext cx="1004150" cy="1412587"/>
             <a:chOff x="6433593" y="1574887"/>
             <a:chExt cx="1004150" cy="1412587"/>
@@ -3616,7 +3694,7 @@
         </p:nvGrpSpPr>
         <p:grpSpPr>
           <a:xfrm>
-            <a:off x="6554917" y="5208152"/>
+            <a:off x="7886761" y="5234803"/>
             <a:ext cx="1004150" cy="1412587"/>
             <a:chOff x="6433593" y="1574887"/>
             <a:chExt cx="1004150" cy="1412587"/>
@@ -3691,110 +3769,6 @@
           </p:txBody>
         </p:sp>
       </p:grpSp>
-      <p:sp>
-        <p:nvSpPr>
-          <p:cNvPr id="24" name="Up-Down Arrow 23"/>
-          <p:cNvSpPr/>
-          <p:nvPr/>
-        </p:nvSpPr>
-        <p:spPr>
-          <a:xfrm>
-            <a:off x="2689776" y="1405794"/>
-            <a:ext cx="278109" cy="725800"/>
-          </a:xfrm>
-          <a:prstGeom prst="upDownArrow">
-            <a:avLst/>
-          </a:prstGeom>
-          <a:solidFill>
-            <a:schemeClr val="bg1">
-              <a:lumMod val="85000"/>
-            </a:schemeClr>
-          </a:solidFill>
-          <a:ln>
-            <a:solidFill>
-              <a:schemeClr val="tx1"/>
-            </a:solidFill>
-          </a:ln>
-          <a:effectLst/>
-        </p:spPr>
-        <p:style>
-          <a:lnRef idx="1">
-            <a:schemeClr val="accent1"/>
-          </a:lnRef>
-          <a:fillRef idx="3">
-            <a:schemeClr val="accent1"/>
-          </a:fillRef>
-          <a:effectRef idx="2">
-            <a:schemeClr val="accent1"/>
-          </a:effectRef>
-          <a:fontRef idx="minor">
-            <a:schemeClr val="lt1"/>
-          </a:fontRef>
-        </p:style>
-        <p:txBody>
-          <a:bodyPr rtlCol="0" anchor="ctr"/>
-          <a:lstStyle/>
-          <a:p>
-            <a:pPr algn="ctr"/>
-            <a:endParaRPr lang="en-US"/>
-          </a:p>
-        </p:txBody>
-      </p:sp>
-      <p:sp>
-        <p:nvSpPr>
-          <p:cNvPr id="26" name="Right Arrow 25">
-            <a:extLst>
-              <a:ext uri="{FF2B5EF4-FFF2-40B4-BE49-F238E27FC236}">
-                <a16:creationId xmlns:a16="http://schemas.microsoft.com/office/drawing/2014/main" id="{A7B52296-4B15-3846-AAA5-86A84E7C7D8D}"/>
-              </a:ext>
-            </a:extLst>
-          </p:cNvPr>
-          <p:cNvSpPr/>
-          <p:nvPr/>
-        </p:nvSpPr>
-        <p:spPr>
-          <a:xfrm>
-            <a:off x="4115367" y="2472384"/>
-            <a:ext cx="745699" cy="315588"/>
-          </a:xfrm>
-          <a:prstGeom prst="rightArrow">
-            <a:avLst/>
-          </a:prstGeom>
-          <a:solidFill>
-            <a:schemeClr val="bg1">
-              <a:lumMod val="85000"/>
-            </a:schemeClr>
-          </a:solidFill>
-          <a:ln>
-            <a:solidFill>
-              <a:schemeClr val="tx1"/>
-            </a:solidFill>
-          </a:ln>
-          <a:effectLst/>
-        </p:spPr>
-        <p:style>
-          <a:lnRef idx="1">
-            <a:schemeClr val="accent1"/>
-          </a:lnRef>
-          <a:fillRef idx="3">
-            <a:schemeClr val="accent1"/>
-          </a:fillRef>
-          <a:effectRef idx="2">
-            <a:schemeClr val="accent1"/>
-          </a:effectRef>
-          <a:fontRef idx="minor">
-            <a:schemeClr val="lt1"/>
-          </a:fontRef>
-        </p:style>
-        <p:txBody>
-          <a:bodyPr rtlCol="0" anchor="ctr"/>
-          <a:lstStyle/>
-          <a:p>
-            <a:pPr algn="ctr"/>
-            <a:endParaRPr lang="en-US"/>
-          </a:p>
-        </p:txBody>
-      </p:sp>
     </p:spTree>
     <p:extLst>
       <p:ext uri="{BB962C8B-B14F-4D97-AF65-F5344CB8AC3E}">

--- a/img/workflow.pptx
+++ b/img/workflow.pptx
@@ -302,7 +302,7 @@
           <a:p>
             <a:fld id="{0E33F080-D45B-F644-9D91-C835372B101C}" type="datetimeFigureOut">
               <a:rPr lang="en-US" smtClean="0"/>
-              <a:t>4/6/20</a:t>
+              <a:t>4/20/20</a:t>
             </a:fld>
             <a:endParaRPr lang="en-US"/>
           </a:p>
@@ -470,7 +470,7 @@
           <a:p>
             <a:fld id="{0E33F080-D45B-F644-9D91-C835372B101C}" type="datetimeFigureOut">
               <a:rPr lang="en-US" smtClean="0"/>
-              <a:t>4/6/20</a:t>
+              <a:t>4/20/20</a:t>
             </a:fld>
             <a:endParaRPr lang="en-US"/>
           </a:p>
@@ -648,7 +648,7 @@
           <a:p>
             <a:fld id="{0E33F080-D45B-F644-9D91-C835372B101C}" type="datetimeFigureOut">
               <a:rPr lang="en-US" smtClean="0"/>
-              <a:t>4/6/20</a:t>
+              <a:t>4/20/20</a:t>
             </a:fld>
             <a:endParaRPr lang="en-US"/>
           </a:p>
@@ -816,7 +816,7 @@
           <a:p>
             <a:fld id="{0E33F080-D45B-F644-9D91-C835372B101C}" type="datetimeFigureOut">
               <a:rPr lang="en-US" smtClean="0"/>
-              <a:t>4/6/20</a:t>
+              <a:t>4/20/20</a:t>
             </a:fld>
             <a:endParaRPr lang="en-US"/>
           </a:p>
@@ -1061,7 +1061,7 @@
           <a:p>
             <a:fld id="{0E33F080-D45B-F644-9D91-C835372B101C}" type="datetimeFigureOut">
               <a:rPr lang="en-US" smtClean="0"/>
-              <a:t>4/6/20</a:t>
+              <a:t>4/20/20</a:t>
             </a:fld>
             <a:endParaRPr lang="en-US"/>
           </a:p>
@@ -1346,7 +1346,7 @@
           <a:p>
             <a:fld id="{0E33F080-D45B-F644-9D91-C835372B101C}" type="datetimeFigureOut">
               <a:rPr lang="en-US" smtClean="0"/>
-              <a:t>4/6/20</a:t>
+              <a:t>4/20/20</a:t>
             </a:fld>
             <a:endParaRPr lang="en-US"/>
           </a:p>
@@ -1765,7 +1765,7 @@
           <a:p>
             <a:fld id="{0E33F080-D45B-F644-9D91-C835372B101C}" type="datetimeFigureOut">
               <a:rPr lang="en-US" smtClean="0"/>
-              <a:t>4/6/20</a:t>
+              <a:t>4/20/20</a:t>
             </a:fld>
             <a:endParaRPr lang="en-US"/>
           </a:p>
@@ -1882,7 +1882,7 @@
           <a:p>
             <a:fld id="{0E33F080-D45B-F644-9D91-C835372B101C}" type="datetimeFigureOut">
               <a:rPr lang="en-US" smtClean="0"/>
-              <a:t>4/6/20</a:t>
+              <a:t>4/20/20</a:t>
             </a:fld>
             <a:endParaRPr lang="en-US"/>
           </a:p>
@@ -1977,7 +1977,7 @@
           <a:p>
             <a:fld id="{0E33F080-D45B-F644-9D91-C835372B101C}" type="datetimeFigureOut">
               <a:rPr lang="en-US" smtClean="0"/>
-              <a:t>4/6/20</a:t>
+              <a:t>4/20/20</a:t>
             </a:fld>
             <a:endParaRPr lang="en-US"/>
           </a:p>
@@ -2252,7 +2252,7 @@
           <a:p>
             <a:fld id="{0E33F080-D45B-F644-9D91-C835372B101C}" type="datetimeFigureOut">
               <a:rPr lang="en-US" smtClean="0"/>
-              <a:t>4/6/20</a:t>
+              <a:t>4/20/20</a:t>
             </a:fld>
             <a:endParaRPr lang="en-US"/>
           </a:p>
@@ -2504,7 +2504,7 @@
           <a:p>
             <a:fld id="{0E33F080-D45B-F644-9D91-C835372B101C}" type="datetimeFigureOut">
               <a:rPr lang="en-US" smtClean="0"/>
-              <a:t>4/6/20</a:t>
+              <a:t>4/20/20</a:t>
             </a:fld>
             <a:endParaRPr lang="en-US"/>
           </a:p>
@@ -2715,7 +2715,7 @@
           <a:p>
             <a:fld id="{0E33F080-D45B-F644-9D91-C835372B101C}" type="datetimeFigureOut">
               <a:rPr lang="en-US" smtClean="0"/>
-              <a:t>4/6/20</a:t>
+              <a:t>4/20/20</a:t>
             </a:fld>
             <a:endParaRPr lang="en-US"/>
           </a:p>
@@ -3092,61 +3092,6 @@
       </p:grpSpPr>
       <p:sp>
         <p:nvSpPr>
-          <p:cNvPr id="25" name="Right Arrow 24">
-            <a:extLst>
-              <a:ext uri="{FF2B5EF4-FFF2-40B4-BE49-F238E27FC236}">
-                <a16:creationId xmlns:a16="http://schemas.microsoft.com/office/drawing/2014/main" id="{6370A837-E5DA-5246-BAA3-8E1F539CD867}"/>
-              </a:ext>
-            </a:extLst>
-          </p:cNvPr>
-          <p:cNvSpPr/>
-          <p:nvPr/>
-        </p:nvSpPr>
-        <p:spPr>
-          <a:xfrm>
-            <a:off x="2668185" y="2502201"/>
-            <a:ext cx="745699" cy="315588"/>
-          </a:xfrm>
-          <a:prstGeom prst="rightArrow">
-            <a:avLst/>
-          </a:prstGeom>
-          <a:solidFill>
-            <a:schemeClr val="bg1">
-              <a:lumMod val="85000"/>
-            </a:schemeClr>
-          </a:solidFill>
-          <a:ln>
-            <a:solidFill>
-              <a:schemeClr val="tx1"/>
-            </a:solidFill>
-          </a:ln>
-          <a:effectLst/>
-        </p:spPr>
-        <p:style>
-          <a:lnRef idx="1">
-            <a:schemeClr val="accent1"/>
-          </a:lnRef>
-          <a:fillRef idx="3">
-            <a:schemeClr val="accent1"/>
-          </a:fillRef>
-          <a:effectRef idx="2">
-            <a:schemeClr val="accent1"/>
-          </a:effectRef>
-          <a:fontRef idx="minor">
-            <a:schemeClr val="lt1"/>
-          </a:fontRef>
-        </p:style>
-        <p:txBody>
-          <a:bodyPr rtlCol="0" anchor="ctr"/>
-          <a:lstStyle/>
-          <a:p>
-            <a:pPr algn="ctr"/>
-            <a:endParaRPr lang="en-US"/>
-          </a:p>
-        </p:txBody>
-      </p:sp>
-      <p:sp>
-        <p:nvSpPr>
           <p:cNvPr id="26" name="Right Arrow 25">
             <a:extLst>
               <a:ext uri="{FF2B5EF4-FFF2-40B4-BE49-F238E27FC236}">
@@ -3170,7 +3115,7 @@
               <a:lumMod val="85000"/>
             </a:schemeClr>
           </a:solidFill>
-          <a:ln>
+          <a:ln w="12700">
             <a:solidFill>
               <a:schemeClr val="tx1"/>
             </a:solidFill>
@@ -3344,7 +3289,7 @@
               <a:lumMod val="85000"/>
             </a:schemeClr>
           </a:solidFill>
-          <a:ln>
+          <a:ln w="12700">
             <a:solidFill>
               <a:schemeClr val="tx1"/>
             </a:solidFill>
@@ -3769,6 +3714,61 @@
           </p:txBody>
         </p:sp>
       </p:grpSp>
+      <p:sp>
+        <p:nvSpPr>
+          <p:cNvPr id="2" name="Left-Right Arrow 1">
+            <a:extLst>
+              <a:ext uri="{FF2B5EF4-FFF2-40B4-BE49-F238E27FC236}">
+                <a16:creationId xmlns:a16="http://schemas.microsoft.com/office/drawing/2014/main" id="{E2127D32-3EBC-6947-943C-9CA6CF0C70AE}"/>
+              </a:ext>
+            </a:extLst>
+          </p:cNvPr>
+          <p:cNvSpPr/>
+          <p:nvPr/>
+        </p:nvSpPr>
+        <p:spPr>
+          <a:xfrm>
+            <a:off x="2844461" y="2493110"/>
+            <a:ext cx="584539" cy="333769"/>
+          </a:xfrm>
+          <a:prstGeom prst="leftRightArrow">
+            <a:avLst/>
+          </a:prstGeom>
+          <a:solidFill>
+            <a:schemeClr val="bg1">
+              <a:lumMod val="85000"/>
+            </a:schemeClr>
+          </a:solidFill>
+          <a:ln w="12700">
+            <a:solidFill>
+              <a:schemeClr val="tx1"/>
+            </a:solidFill>
+          </a:ln>
+          <a:effectLst/>
+        </p:spPr>
+        <p:style>
+          <a:lnRef idx="1">
+            <a:schemeClr val="accent1"/>
+          </a:lnRef>
+          <a:fillRef idx="3">
+            <a:schemeClr val="accent1"/>
+          </a:fillRef>
+          <a:effectRef idx="2">
+            <a:schemeClr val="accent1"/>
+          </a:effectRef>
+          <a:fontRef idx="minor">
+            <a:schemeClr val="lt1"/>
+          </a:fontRef>
+        </p:style>
+        <p:txBody>
+          <a:bodyPr rtlCol="0" anchor="ctr"/>
+          <a:lstStyle/>
+          <a:p>
+            <a:pPr algn="ctr"/>
+            <a:endParaRPr lang="en-US"/>
+          </a:p>
+        </p:txBody>
+      </p:sp>
     </p:spTree>
     <p:extLst>
       <p:ext uri="{BB962C8B-B14F-4D97-AF65-F5344CB8AC3E}">
